--- a/ Robocodeプレゼンテーション.pptx
+++ b/ Robocodeプレゼンテーション.pptx
@@ -15,6 +15,7 @@
     <p:sldId id="260" r:id="rId12"/>
     <p:sldId id="261" r:id="rId13"/>
     <p:sldId id="262" r:id="rId14"/>
+    <p:sldId id="263" r:id="rId15"/>
   </p:sldIdLst>
   <p:sldSz cx="13004800" cy="9753600"/>
   <p:notesSz cx="6858000" cy="9144000"/>
@@ -65,7 +66,7 @@
           <a:noFill/>
         </a:ln>
         <a:solidFill>
-          <a:srgbClr val="000000"/>
+          <a:srgbClr val="FF2600"/>
         </a:solidFill>
         <a:effectLst/>
         <a:uFillTx/>
@@ -95,7 +96,7 @@
           <a:noFill/>
         </a:ln>
         <a:solidFill>
-          <a:srgbClr val="000000"/>
+          <a:srgbClr val="FF2600"/>
         </a:solidFill>
         <a:effectLst/>
         <a:uFillTx/>
@@ -125,7 +126,7 @@
           <a:noFill/>
         </a:ln>
         <a:solidFill>
-          <a:srgbClr val="000000"/>
+          <a:srgbClr val="FF2600"/>
         </a:solidFill>
         <a:effectLst/>
         <a:uFillTx/>
@@ -155,7 +156,7 @@
           <a:noFill/>
         </a:ln>
         <a:solidFill>
-          <a:srgbClr val="000000"/>
+          <a:srgbClr val="FF2600"/>
         </a:solidFill>
         <a:effectLst/>
         <a:uFillTx/>
@@ -185,7 +186,7 @@
           <a:noFill/>
         </a:ln>
         <a:solidFill>
-          <a:srgbClr val="000000"/>
+          <a:srgbClr val="FF2600"/>
         </a:solidFill>
         <a:effectLst/>
         <a:uFillTx/>
@@ -215,7 +216,7 @@
           <a:noFill/>
         </a:ln>
         <a:solidFill>
-          <a:srgbClr val="000000"/>
+          <a:srgbClr val="FF2600"/>
         </a:solidFill>
         <a:effectLst/>
         <a:uFillTx/>
@@ -245,7 +246,7 @@
           <a:noFill/>
         </a:ln>
         <a:solidFill>
-          <a:srgbClr val="000000"/>
+          <a:srgbClr val="FF2600"/>
         </a:solidFill>
         <a:effectLst/>
         <a:uFillTx/>
@@ -275,7 +276,7 @@
           <a:noFill/>
         </a:ln>
         <a:solidFill>
-          <a:srgbClr val="000000"/>
+          <a:srgbClr val="FF2600"/>
         </a:solidFill>
         <a:effectLst/>
         <a:uFillTx/>
@@ -305,7 +306,7 @@
           <a:noFill/>
         </a:ln>
         <a:solidFill>
-          <a:srgbClr val="000000"/>
+          <a:srgbClr val="FF2600"/>
         </a:solidFill>
         <a:effectLst/>
         <a:uFillTx/>
@@ -2149,7 +2150,11 @@
           </a:bodyPr>
           <a:lstStyle>
             <a:lvl1pPr>
-              <a:defRPr sz="1800"/>
+              <a:defRPr sz="1800">
+                <a:solidFill>
+                  <a:srgbClr val="000000"/>
+                </a:solidFill>
+              </a:defRPr>
             </a:lvl1pPr>
           </a:lstStyle>
           <a:p>
@@ -2160,7 +2165,7 @@
       </p:sp>
     </p:spTree>
   </p:cSld>
-  <p:clrMap bg1="lt1" tx1="dk1" bg2="lt2" tx2="dk2" accent1="accent1" accent2="accent2" accent3="accent3" accent4="accent4" accent5="accent5" accent6="accent6" hlink="hlink" folHlink="folHlink"/>
+  <p:clrMap bg1="dk1" tx1="lt1" bg2="dk2" tx2="lt2" accent1="accent1" accent2="accent2" accent3="accent3" accent4="accent4" accent5="accent5" accent6="accent6" hlink="hlink" folHlink="folHlink"/>
   <p:sldLayoutIdLst>
     <p:sldLayoutId id="2147483649" r:id="rId2"/>
     <p:sldLayoutId id="2147483650" r:id="rId3"/>
@@ -3101,6 +3106,12 @@
           <a:p>
             <a:pPr/>
             <a:r>
+              <a:t>使用する機体はリーダー機と一般機の二体である。</a:t>
+            </a:r>
+          </a:p>
+          <a:p>
+            <a:pPr/>
+            <a:r>
               <a:t>相手チームの最も体力の低いロボットを重点的に狙うことによって数の上で優位に立つことを狙う。</a:t>
             </a:r>
           </a:p>
@@ -3181,7 +3192,7 @@
           <a:p>
             <a:pPr/>
             <a:r>
-              <a:t>使用する機体はリーダー機を一般機二体。</a:t>
+              <a:t>戦車ごとに行動を変えることはしない。言うなればそれぞれの戦車は一つの仕組みのみで動く。</a:t>
             </a:r>
           </a:p>
           <a:p>
@@ -3401,7 +3412,11 @@
             <a:lstStyle/>
             <a:p>
               <a:pPr>
-                <a:defRPr sz="2400"/>
+                <a:defRPr sz="2400">
+                  <a:solidFill>
+                    <a:srgbClr val="000000"/>
+                  </a:solidFill>
+                </a:defRPr>
               </a:pPr>
             </a:p>
           </p:txBody>
@@ -3563,7 +3578,11 @@
             <a:lstStyle/>
             <a:p>
               <a:pPr>
-                <a:defRPr sz="2400"/>
+                <a:defRPr sz="2400">
+                  <a:solidFill>
+                    <a:srgbClr val="000000"/>
+                  </a:solidFill>
+                </a:defRPr>
               </a:pPr>
             </a:p>
           </p:txBody>
@@ -3601,7 +3620,11 @@
             <a:lstStyle/>
             <a:p>
               <a:pPr>
-                <a:defRPr sz="2400"/>
+                <a:defRPr sz="2400">
+                  <a:solidFill>
+                    <a:srgbClr val="000000"/>
+                  </a:solidFill>
+                </a:defRPr>
               </a:pPr>
             </a:p>
           </p:txBody>
@@ -3677,7 +3700,11 @@
             <a:lstStyle/>
             <a:p>
               <a:pPr>
-                <a:defRPr sz="2400"/>
+                <a:defRPr sz="2400">
+                  <a:solidFill>
+                    <a:srgbClr val="000000"/>
+                  </a:solidFill>
+                </a:defRPr>
               </a:pPr>
             </a:p>
           </p:txBody>
@@ -3976,6 +4003,34 @@
           <p:cNvPr id="149" name="Shape 149"/>
           <p:cNvSpPr/>
           <p:nvPr>
+            <p:ph type="body" idx="1"/>
+          </p:nvPr>
+        </p:nvSpPr>
+        <p:spPr>
+          <a:xfrm>
+            <a:off x="667504" y="2609850"/>
+            <a:ext cx="11099801" cy="6286500"/>
+          </a:xfrm>
+          <a:prstGeom prst="rect">
+            <a:avLst/>
+          </a:prstGeom>
+        </p:spPr>
+        <p:txBody>
+          <a:bodyPr anchor="t"/>
+          <a:lstStyle/>
+          <a:p>
+            <a:pPr/>
+            <a:r>
+              <a:t>回避は敵の弾丸の弾道上に定点を設定し、そこから一定範囲内に自機がいた場合にすることにした。</a:t>
+            </a:r>
+          </a:p>
+        </p:txBody>
+      </p:sp>
+      <p:sp>
+        <p:nvSpPr>
+          <p:cNvPr id="150" name="Shape 150"/>
+          <p:cNvSpPr/>
+          <p:nvPr>
             <p:ph type="title"/>
           </p:nvPr>
         </p:nvSpPr>
@@ -3995,9 +4050,653 @@
           </a:p>
         </p:txBody>
       </p:sp>
+      <p:grpSp>
+        <p:nvGrpSpPr>
+          <p:cNvPr id="165" name="Group 165"/>
+          <p:cNvGrpSpPr/>
+          <p:nvPr/>
+        </p:nvGrpSpPr>
+        <p:grpSpPr>
+          <a:xfrm>
+            <a:off x="1542486" y="4172103"/>
+            <a:ext cx="9349837" cy="4514522"/>
+            <a:chOff x="0" y="0"/>
+            <a:chExt cx="9349836" cy="4514520"/>
+          </a:xfrm>
+        </p:grpSpPr>
+        <p:sp>
+          <p:nvSpPr>
+            <p:cNvPr id="151" name="Shape 151"/>
+            <p:cNvSpPr/>
+            <p:nvPr/>
+          </p:nvSpPr>
+          <p:spPr>
+            <a:xfrm>
+              <a:off x="0" y="0"/>
+              <a:ext cx="9349837" cy="4514521"/>
+            </a:xfrm>
+            <a:prstGeom prst="rect">
+              <a:avLst/>
+            </a:prstGeom>
+            <a:noFill/>
+            <a:ln w="12700" cap="flat">
+              <a:noFill/>
+              <a:miter lim="400000"/>
+            </a:ln>
+            <a:effectLst/>
+          </p:spPr>
+          <p:txBody>
+            <a:bodyPr wrap="square" lIns="50800" tIns="50800" rIns="50800" bIns="50800" numCol="1" anchor="ctr">
+              <a:noAutofit/>
+            </a:bodyPr>
+            <a:lstStyle/>
+            <a:p>
+              <a:pPr>
+                <a:defRPr sz="2400">
+                  <a:solidFill>
+                    <a:srgbClr val="000000"/>
+                  </a:solidFill>
+                </a:defRPr>
+              </a:pPr>
+            </a:p>
+          </p:txBody>
+        </p:sp>
+        <p:sp>
+          <p:nvSpPr>
+            <p:cNvPr id="152" name="Shape 152"/>
+            <p:cNvSpPr/>
+            <p:nvPr/>
+          </p:nvSpPr>
+          <p:spPr>
+            <a:xfrm>
+              <a:off x="1849951" y="1824845"/>
+              <a:ext cx="901921" cy="864831"/>
+            </a:xfrm>
+            <a:prstGeom prst="rect">
+              <a:avLst/>
+            </a:prstGeom>
+            <a:blipFill rotWithShape="1">
+              <a:blip r:embed="rId2"/>
+              <a:srcRect l="0" t="0" r="0" b="0"/>
+              <a:tile tx="0" ty="0" sx="100000" sy="100000" flip="none" algn="tl"/>
+            </a:blipFill>
+            <a:ln w="12700" cap="flat">
+              <a:noFill/>
+              <a:miter lim="400000"/>
+            </a:ln>
+            <a:effectLst>
+              <a:outerShdw sx="100000" sy="100000" kx="0" ky="0" algn="b" rotWithShape="0" blurRad="38100" dist="25400" dir="5400000">
+                <a:srgbClr val="000000">
+                  <a:alpha val="50000"/>
+                </a:srgbClr>
+              </a:outerShdw>
+            </a:effectLst>
+          </p:spPr>
+          <p:txBody>
+            <a:bodyPr wrap="square" lIns="50800" tIns="50800" rIns="50800" bIns="50800" numCol="1" anchor="ctr">
+              <a:noAutofit/>
+            </a:bodyPr>
+            <a:lstStyle/>
+            <a:p>
+              <a:pPr>
+                <a:defRPr sz="2400">
+                  <a:solidFill>
+                    <a:srgbClr val="FFFFFF"/>
+                  </a:solidFill>
+                </a:defRPr>
+              </a:pPr>
+            </a:p>
+          </p:txBody>
+        </p:sp>
+        <p:sp>
+          <p:nvSpPr>
+            <p:cNvPr id="153" name="Shape 153"/>
+            <p:cNvSpPr/>
+            <p:nvPr/>
+          </p:nvSpPr>
+          <p:spPr>
+            <a:xfrm flipV="1">
+              <a:off x="3386898" y="2257260"/>
+              <a:ext cx="4140614" cy="1"/>
+            </a:xfrm>
+            <a:prstGeom prst="line">
+              <a:avLst/>
+            </a:prstGeom>
+            <a:noFill/>
+            <a:ln w="38100" cap="rnd">
+              <a:solidFill>
+                <a:srgbClr val="000000"/>
+              </a:solidFill>
+              <a:custDash>
+                <a:ds d="100000" sp="200000"/>
+              </a:custDash>
+              <a:miter lim="400000"/>
+              <a:tailEnd type="triangle" w="med" len="med"/>
+            </a:ln>
+            <a:effectLst/>
+          </p:spPr>
+          <p:txBody>
+            <a:bodyPr wrap="square" lIns="50800" tIns="50800" rIns="50800" bIns="50800" numCol="1" anchor="ctr">
+              <a:noAutofit/>
+            </a:bodyPr>
+            <a:lstStyle/>
+            <a:p>
+              <a:pPr>
+                <a:defRPr sz="2400">
+                  <a:solidFill>
+                    <a:srgbClr val="000000"/>
+                  </a:solidFill>
+                </a:defRPr>
+              </a:pPr>
+            </a:p>
+          </p:txBody>
+        </p:sp>
+        <p:sp>
+          <p:nvSpPr>
+            <p:cNvPr id="154" name="Shape 154"/>
+            <p:cNvSpPr/>
+            <p:nvPr/>
+          </p:nvSpPr>
+          <p:spPr>
+            <a:xfrm>
+              <a:off x="2749938" y="2074011"/>
+              <a:ext cx="629698" cy="366499"/>
+            </a:xfrm>
+            <a:prstGeom prst="rect">
+              <a:avLst/>
+            </a:prstGeom>
+            <a:blipFill rotWithShape="1">
+              <a:blip r:embed="rId2"/>
+              <a:srcRect l="0" t="0" r="0" b="0"/>
+              <a:tile tx="0" ty="0" sx="100000" sy="100000" flip="none" algn="tl"/>
+            </a:blipFill>
+            <a:ln w="12700" cap="flat">
+              <a:noFill/>
+              <a:miter lim="400000"/>
+            </a:ln>
+            <a:effectLst>
+              <a:outerShdw sx="100000" sy="100000" kx="0" ky="0" algn="b" rotWithShape="0" blurRad="38100" dist="25400" dir="5400000">
+                <a:srgbClr val="000000">
+                  <a:alpha val="50000"/>
+                </a:srgbClr>
+              </a:outerShdw>
+            </a:effectLst>
+          </p:spPr>
+          <p:txBody>
+            <a:bodyPr wrap="square" lIns="50800" tIns="50800" rIns="50800" bIns="50800" numCol="1" anchor="ctr">
+              <a:noAutofit/>
+            </a:bodyPr>
+            <a:lstStyle/>
+            <a:p>
+              <a:pPr>
+                <a:defRPr sz="2400">
+                  <a:solidFill>
+                    <a:srgbClr val="FFFFFF"/>
+                  </a:solidFill>
+                </a:defRPr>
+              </a:pPr>
+            </a:p>
+          </p:txBody>
+        </p:sp>
+        <p:sp>
+          <p:nvSpPr>
+            <p:cNvPr id="155" name="Shape 155"/>
+            <p:cNvSpPr/>
+            <p:nvPr/>
+          </p:nvSpPr>
+          <p:spPr>
+            <a:xfrm>
+              <a:off x="5741089" y="2125286"/>
+              <a:ext cx="267621" cy="263949"/>
+            </a:xfrm>
+            <a:prstGeom prst="ellipse">
+              <a:avLst/>
+            </a:prstGeom>
+            <a:noFill/>
+            <a:ln w="25400" cap="flat">
+              <a:solidFill>
+                <a:srgbClr val="FF2600"/>
+              </a:solidFill>
+              <a:prstDash val="sysDot"/>
+              <a:miter lim="400000"/>
+            </a:ln>
+            <a:effectLst/>
+          </p:spPr>
+          <p:txBody>
+            <a:bodyPr wrap="square" lIns="50800" tIns="50800" rIns="50800" bIns="50800" numCol="1" anchor="ctr">
+              <a:noAutofit/>
+            </a:bodyPr>
+            <a:lstStyle/>
+            <a:p>
+              <a:pPr>
+                <a:defRPr sz="2400">
+                  <a:solidFill>
+                    <a:srgbClr val="000000"/>
+                  </a:solidFill>
+                </a:defRPr>
+              </a:pPr>
+            </a:p>
+          </p:txBody>
+        </p:sp>
+        <p:sp>
+          <p:nvSpPr>
+            <p:cNvPr id="156" name="Shape 156"/>
+            <p:cNvSpPr/>
+            <p:nvPr/>
+          </p:nvSpPr>
+          <p:spPr>
+            <a:xfrm>
+              <a:off x="4903254" y="1285615"/>
+              <a:ext cx="1943291" cy="1943291"/>
+            </a:xfrm>
+            <a:prstGeom prst="ellipse">
+              <a:avLst/>
+            </a:prstGeom>
+            <a:noFill/>
+            <a:ln w="25400" cap="flat">
+              <a:solidFill>
+                <a:srgbClr val="8E2811"/>
+              </a:solidFill>
+              <a:prstDash val="sysDot"/>
+              <a:miter lim="400000"/>
+            </a:ln>
+            <a:effectLst/>
+          </p:spPr>
+          <p:txBody>
+            <a:bodyPr wrap="square" lIns="50800" tIns="50800" rIns="50800" bIns="50800" numCol="1" anchor="ctr">
+              <a:noAutofit/>
+            </a:bodyPr>
+            <a:lstStyle/>
+            <a:p>
+              <a:pPr>
+                <a:defRPr sz="2400">
+                  <a:solidFill>
+                    <a:srgbClr val="000000"/>
+                  </a:solidFill>
+                </a:defRPr>
+              </a:pPr>
+            </a:p>
+          </p:txBody>
+        </p:sp>
+        <p:sp>
+          <p:nvSpPr>
+            <p:cNvPr id="157" name="Shape 157"/>
+            <p:cNvSpPr/>
+            <p:nvPr/>
+          </p:nvSpPr>
+          <p:spPr>
+            <a:xfrm flipV="1">
+              <a:off x="5929889" y="1532115"/>
+              <a:ext cx="629698" cy="629698"/>
+            </a:xfrm>
+            <a:prstGeom prst="line">
+              <a:avLst/>
+            </a:prstGeom>
+            <a:noFill/>
+            <a:ln w="25400" cap="flat">
+              <a:solidFill>
+                <a:srgbClr val="FF2600"/>
+              </a:solidFill>
+              <a:prstDash val="solid"/>
+              <a:miter lim="400000"/>
+              <a:headEnd type="triangle" w="med" len="med"/>
+              <a:tailEnd type="triangle" w="med" len="med"/>
+            </a:ln>
+            <a:effectLst/>
+          </p:spPr>
+          <p:txBody>
+            <a:bodyPr wrap="square" lIns="50800" tIns="50800" rIns="50800" bIns="50800" numCol="1" anchor="ctr">
+              <a:noAutofit/>
+            </a:bodyPr>
+            <a:lstStyle/>
+            <a:p>
+              <a:pPr>
+                <a:defRPr sz="2400">
+                  <a:solidFill>
+                    <a:srgbClr val="000000"/>
+                  </a:solidFill>
+                </a:defRPr>
+              </a:pPr>
+            </a:p>
+          </p:txBody>
+        </p:sp>
+        <p:sp>
+          <p:nvSpPr>
+            <p:cNvPr id="158" name="Shape 158"/>
+            <p:cNvSpPr/>
+            <p:nvPr/>
+          </p:nvSpPr>
+          <p:spPr>
+            <a:xfrm>
+              <a:off x="5929448" y="1355282"/>
+              <a:ext cx="310897" cy="558800"/>
+            </a:xfrm>
+            <a:prstGeom prst="rect">
+              <a:avLst/>
+            </a:prstGeom>
+            <a:noFill/>
+            <a:ln w="12700" cap="flat">
+              <a:noFill/>
+              <a:miter lim="400000"/>
+            </a:ln>
+            <a:effectLst/>
+            <a:extLst>
+              <a:ext uri="{C572A759-6A51-4108-AA02-DFA0A04FC94B}">
+                <ma14:wrappingTextBoxFlag xmlns:ma14="http://schemas.microsoft.com/office/mac/drawingml/2011/main" val="1"/>
+              </a:ext>
+            </a:extLst>
+          </p:spPr>
+          <p:txBody>
+            <a:bodyPr wrap="none" lIns="50800" tIns="50800" rIns="50800" bIns="50800" numCol="1" anchor="ctr">
+              <a:spAutoFit/>
+            </a:bodyPr>
+            <a:lstStyle/>
+            <a:p>
+              <a:pPr/>
+              <a:r>
+                <a:t>r</a:t>
+              </a:r>
+            </a:p>
+          </p:txBody>
+        </p:sp>
+        <p:sp>
+          <p:nvSpPr>
+            <p:cNvPr id="159" name="Shape 159"/>
+            <p:cNvSpPr/>
+            <p:nvPr/>
+          </p:nvSpPr>
+          <p:spPr>
+            <a:xfrm>
+              <a:off x="1481609" y="1250283"/>
+              <a:ext cx="1638606" cy="558801"/>
+            </a:xfrm>
+            <a:prstGeom prst="rect">
+              <a:avLst/>
+            </a:prstGeom>
+            <a:noFill/>
+            <a:ln w="12700" cap="flat">
+              <a:noFill/>
+              <a:miter lim="400000"/>
+            </a:ln>
+            <a:effectLst/>
+            <a:extLst>
+              <a:ext uri="{C572A759-6A51-4108-AA02-DFA0A04FC94B}">
+                <ma14:wrappingTextBoxFlag xmlns:ma14="http://schemas.microsoft.com/office/mac/drawingml/2011/main" val="1"/>
+              </a:ext>
+            </a:extLst>
+          </p:spPr>
+          <p:txBody>
+            <a:bodyPr wrap="none" lIns="50800" tIns="50800" rIns="50800" bIns="50800" numCol="1" anchor="ctr">
+              <a:spAutoFit/>
+            </a:bodyPr>
+            <a:lstStyle/>
+            <a:p>
+              <a:pPr/>
+              <a:r>
+                <a:t>Enemy</a:t>
+              </a:r>
+            </a:p>
+          </p:txBody>
+        </p:sp>
+        <p:sp>
+          <p:nvSpPr>
+            <p:cNvPr id="160" name="Shape 160"/>
+            <p:cNvSpPr/>
+            <p:nvPr/>
+          </p:nvSpPr>
+          <p:spPr>
+            <a:xfrm>
+              <a:off x="3687403" y="2125286"/>
+              <a:ext cx="267621" cy="263949"/>
+            </a:xfrm>
+            <a:prstGeom prst="ellipse">
+              <a:avLst/>
+            </a:prstGeom>
+            <a:solidFill>
+              <a:schemeClr val="accent5"/>
+            </a:solidFill>
+            <a:ln w="12700" cap="flat">
+              <a:noFill/>
+              <a:miter lim="400000"/>
+            </a:ln>
+            <a:effectLst>
+              <a:outerShdw sx="100000" sy="100000" kx="0" ky="0" algn="b" rotWithShape="0" blurRad="38100" dist="25400" dir="5400000">
+                <a:srgbClr val="000000">
+                  <a:alpha val="50000"/>
+                </a:srgbClr>
+              </a:outerShdw>
+            </a:effectLst>
+          </p:spPr>
+          <p:txBody>
+            <a:bodyPr wrap="square" lIns="50800" tIns="50800" rIns="50800" bIns="50800" numCol="1" anchor="ctr">
+              <a:noAutofit/>
+            </a:bodyPr>
+            <a:lstStyle/>
+            <a:p>
+              <a:pPr>
+                <a:defRPr sz="2400">
+                  <a:solidFill>
+                    <a:srgbClr val="FFFFFF"/>
+                  </a:solidFill>
+                </a:defRPr>
+              </a:pPr>
+            </a:p>
+          </p:txBody>
+        </p:sp>
+        <p:sp>
+          <p:nvSpPr>
+            <p:cNvPr id="161" name="Shape 161"/>
+            <p:cNvSpPr/>
+            <p:nvPr/>
+          </p:nvSpPr>
+          <p:spPr>
+            <a:xfrm flipH="1" flipV="1">
+              <a:off x="5971873" y="2378622"/>
+              <a:ext cx="855851" cy="855851"/>
+            </a:xfrm>
+            <a:prstGeom prst="line">
+              <a:avLst/>
+            </a:prstGeom>
+            <a:noFill/>
+            <a:ln w="25400" cap="flat">
+              <a:solidFill>
+                <a:srgbClr val="FF2600"/>
+              </a:solidFill>
+              <a:prstDash val="solid"/>
+              <a:miter lim="400000"/>
+              <a:tailEnd type="triangle" w="med" len="med"/>
+            </a:ln>
+            <a:effectLst/>
+          </p:spPr>
+          <p:txBody>
+            <a:bodyPr wrap="square" lIns="50800" tIns="50800" rIns="50800" bIns="50800" numCol="1" anchor="ctr">
+              <a:noAutofit/>
+            </a:bodyPr>
+            <a:lstStyle/>
+            <a:p>
+              <a:pPr>
+                <a:defRPr sz="2400">
+                  <a:solidFill>
+                    <a:srgbClr val="000000"/>
+                  </a:solidFill>
+                </a:defRPr>
+              </a:pPr>
+            </a:p>
+          </p:txBody>
+        </p:sp>
+        <p:sp>
+          <p:nvSpPr>
+            <p:cNvPr id="162" name="Shape 162"/>
+            <p:cNvSpPr/>
+            <p:nvPr/>
+          </p:nvSpPr>
+          <p:spPr>
+            <a:xfrm flipV="1">
+              <a:off x="2836348" y="2378622"/>
+              <a:ext cx="855852" cy="855851"/>
+            </a:xfrm>
+            <a:prstGeom prst="line">
+              <a:avLst/>
+            </a:prstGeom>
+            <a:noFill/>
+            <a:ln w="25400" cap="flat">
+              <a:solidFill>
+                <a:srgbClr val="FF2600"/>
+              </a:solidFill>
+              <a:prstDash val="solid"/>
+              <a:miter lim="400000"/>
+              <a:tailEnd type="triangle" w="med" len="med"/>
+            </a:ln>
+            <a:effectLst/>
+          </p:spPr>
+          <p:txBody>
+            <a:bodyPr wrap="square" lIns="50800" tIns="50800" rIns="50800" bIns="50800" numCol="1" anchor="ctr">
+              <a:noAutofit/>
+            </a:bodyPr>
+            <a:lstStyle/>
+            <a:p>
+              <a:pPr>
+                <a:defRPr sz="2400">
+                  <a:solidFill>
+                    <a:srgbClr val="000000"/>
+                  </a:solidFill>
+                </a:defRPr>
+              </a:pPr>
+            </a:p>
+          </p:txBody>
+        </p:sp>
+        <p:sp>
+          <p:nvSpPr>
+            <p:cNvPr id="163" name="Shape 163"/>
+            <p:cNvSpPr/>
+            <p:nvPr/>
+          </p:nvSpPr>
+          <p:spPr>
+            <a:xfrm>
+              <a:off x="1022599" y="3280995"/>
+              <a:ext cx="3314701" cy="558801"/>
+            </a:xfrm>
+            <a:prstGeom prst="rect">
+              <a:avLst/>
+            </a:prstGeom>
+            <a:noFill/>
+            <a:ln w="12700" cap="flat">
+              <a:noFill/>
+              <a:miter lim="400000"/>
+            </a:ln>
+            <a:effectLst/>
+            <a:extLst>
+              <a:ext uri="{C572A759-6A51-4108-AA02-DFA0A04FC94B}">
+                <ma14:wrappingTextBoxFlag xmlns:ma14="http://schemas.microsoft.com/office/mac/drawingml/2011/main" val="1"/>
+              </a:ext>
+            </a:extLst>
+          </p:spPr>
+          <p:txBody>
+            <a:bodyPr wrap="none" lIns="50800" tIns="50800" rIns="50800" bIns="50800" numCol="1" anchor="ctr">
+              <a:spAutoFit/>
+            </a:bodyPr>
+            <a:lstStyle/>
+            <a:p>
+              <a:pPr/>
+              <a:r>
+                <a:t>弾丸の現在位置</a:t>
+              </a:r>
+            </a:p>
+          </p:txBody>
+        </p:sp>
+        <p:sp>
+          <p:nvSpPr>
+            <p:cNvPr id="164" name="Shape 164"/>
+            <p:cNvSpPr/>
+            <p:nvPr/>
+          </p:nvSpPr>
+          <p:spPr>
+            <a:xfrm>
+              <a:off x="5402531" y="3280995"/>
+              <a:ext cx="3314701" cy="558801"/>
+            </a:xfrm>
+            <a:prstGeom prst="rect">
+              <a:avLst/>
+            </a:prstGeom>
+            <a:noFill/>
+            <a:ln w="12700" cap="flat">
+              <a:noFill/>
+              <a:miter lim="400000"/>
+            </a:ln>
+            <a:effectLst/>
+            <a:extLst>
+              <a:ext uri="{C572A759-6A51-4108-AA02-DFA0A04FC94B}">
+                <ma14:wrappingTextBoxFlag xmlns:ma14="http://schemas.microsoft.com/office/mac/drawingml/2011/main" val="1"/>
+              </a:ext>
+            </a:extLst>
+          </p:spPr>
+          <p:txBody>
+            <a:bodyPr wrap="none" lIns="50800" tIns="50800" rIns="50800" bIns="50800" numCol="1" anchor="ctr">
+              <a:spAutoFit/>
+            </a:bodyPr>
+            <a:lstStyle/>
+            <a:p>
+              <a:pPr/>
+              <a:r>
+                <a:t>弾丸の未来位置</a:t>
+              </a:r>
+            </a:p>
+          </p:txBody>
+        </p:sp>
+      </p:grpSp>
+    </p:spTree>
+  </p:cSld>
+  <p:clrMapOvr>
+    <a:masterClrMapping/>
+  </p:clrMapOvr>
+  <p:transition xmlns:p14="http://schemas.microsoft.com/office/powerpoint/2010/main" spd="med" advClick="1" p14:dur="1000"/>
+</p:sld>
+</file>
+
+<file path=ppt/slides/slide8.xml><?xml version="1.0" encoding="utf-8"?>
+<p:sld xmlns:a="http://schemas.openxmlformats.org/drawingml/2006/main" xmlns:r="http://schemas.openxmlformats.org/officeDocument/2006/relationships" xmlns:p="http://schemas.openxmlformats.org/presentationml/2006/main" showMasterSp="1" showMasterPhAnim="1">
+  <p:cSld>
+    <p:spTree>
+      <p:nvGrpSpPr>
+        <p:cNvPr id="1" name=""/>
+        <p:cNvGrpSpPr/>
+        <p:nvPr/>
+      </p:nvGrpSpPr>
+      <p:grpSpPr>
+        <a:xfrm>
+          <a:off x="0" y="0"/>
+          <a:ext cx="0" cy="0"/>
+          <a:chOff x="0" y="0"/>
+          <a:chExt cx="0" cy="0"/>
+        </a:xfrm>
+      </p:grpSpPr>
       <p:sp>
         <p:nvSpPr>
-          <p:cNvPr id="150" name="Shape 150"/>
+          <p:cNvPr id="167" name="Shape 167"/>
+          <p:cNvSpPr/>
+          <p:nvPr>
+            <p:ph type="title"/>
+          </p:nvPr>
+        </p:nvSpPr>
+        <p:spPr>
+          <a:prstGeom prst="rect">
+            <a:avLst/>
+          </a:prstGeom>
+        </p:spPr>
+        <p:txBody>
+          <a:bodyPr/>
+          <a:lstStyle/>
+          <a:p>
+            <a:pPr/>
+            <a:r>
+              <a:t>所感</a:t>
+            </a:r>
+          </a:p>
+        </p:txBody>
+      </p:sp>
+      <p:sp>
+        <p:nvSpPr>
+          <p:cNvPr id="168" name="Shape 168"/>
           <p:cNvSpPr/>
           <p:nvPr>
             <p:ph type="body" idx="1"/>
@@ -4012,9 +4711,36 @@
           <a:bodyPr anchor="t"/>
           <a:lstStyle/>
           <a:p>
-            <a:pPr/>
+            <a:pPr marL="408940" indent="-408940" defTabSz="537463">
+              <a:spcBef>
+                <a:spcPts val="3800"/>
+              </a:spcBef>
+              <a:defRPr sz="3312"/>
+            </a:pPr>
             <a:r>
-              <a:t>回避は敵の弾丸の弾道上に定点を設定し、そこから一定範囲内に自機がいた場合にすることにした。</a:t>
+              <a:t>今回は制作予定のロボットが間に間に合わなかったため急遽代替のロボを作成した。</a:t>
+            </a:r>
+          </a:p>
+          <a:p>
+            <a:pPr lvl="2" marL="1226819" indent="-408940" defTabSz="537463">
+              <a:spcBef>
+                <a:spcPts val="3800"/>
+              </a:spcBef>
+              <a:defRPr sz="3312"/>
+            </a:pPr>
+            <a:r>
+              <a:t>上記の原因として、一つには我々が最新のJavaの使用でコーディングをしていたため、Robocedeがそれをサポートしていなかったことがあげられる。</a:t>
+            </a:r>
+          </a:p>
+          <a:p>
+            <a:pPr lvl="2" marL="1226819" indent="-408940" defTabSz="537463">
+              <a:spcBef>
+                <a:spcPts val="3800"/>
+              </a:spcBef>
+              <a:defRPr sz="3312"/>
+            </a:pPr>
+            <a:r>
+              <a:t>また、スケジュールの詰めの甘さもあったかと考えられる。少なくともリリースの段階で予備の時間は確保しておくべきであったと感じた。</a:t>
             </a:r>
           </a:p>
         </p:txBody>
@@ -4033,10 +4759,10 @@
   <a:themeElements>
     <a:clrScheme name="White">
       <a:dk1>
-        <a:srgbClr val="000000"/>
+        <a:srgbClr val="FFFFFF"/>
       </a:dk1>
       <a:lt1>
-        <a:srgbClr val="FFFFFF"/>
+        <a:srgbClr val="FF2600"/>
       </a:lt1>
       <a:dk2>
         <a:srgbClr val="53585F"/>
@@ -4849,7 +5575,7 @@
               <a:noFill/>
             </a:ln>
             <a:solidFill>
-              <a:srgbClr val="000000"/>
+              <a:srgbClr val="FF2600"/>
             </a:solidFill>
             <a:effectLst/>
             <a:uFillTx/>
@@ -5926,7 +6652,7 @@
               <a:noFill/>
             </a:ln>
             <a:solidFill>
-              <a:srgbClr val="000000"/>
+              <a:srgbClr val="FF2600"/>
             </a:solidFill>
             <a:effectLst/>
             <a:uFillTx/>
